--- a/docs/Medusa Backend  Deployment.pptx
+++ b/docs/Medusa Backend  Deployment.pptx
@@ -261,7 +261,7 @@
           <a:p>
             <a:fld id="{F352A77B-D33C-49B3-A83C-450AA2ED72B3}" type="datetimeFigureOut">
               <a:rPr lang="en-US" smtClean="0"/>
-              <a:t>4/11/2025</a:t>
+              <a:t>4/15/2025</a:t>
             </a:fld>
             <a:endParaRPr lang="en-US" dirty="0"/>
           </a:p>
@@ -438,7 +438,7 @@
           <a:p>
             <a:fld id="{E38D8F9A-F5CB-4EF8-A859-ED5E107B9763}" type="datetimeFigureOut">
               <a:rPr lang="en-US" smtClean="0"/>
-              <a:t>4/11/2025</a:t>
+              <a:t>4/15/2025</a:t>
             </a:fld>
             <a:endParaRPr lang="en-US" dirty="0"/>
           </a:p>
@@ -16486,13 +16486,13 @@
   <p:clrMapOvr>
     <a:masterClrMapping/>
   </p:clrMapOvr>
-  <mc:AlternateContent xmlns:mc="http://schemas.openxmlformats.org/markup-compatibility/2006">
-    <mc:Choice xmlns:p14="http://schemas.microsoft.com/office/powerpoint/2010/main" Requires="p14">
+  <mc:AlternateContent xmlns:mc="http://schemas.openxmlformats.org/markup-compatibility/2006" xmlns:p14="http://schemas.microsoft.com/office/powerpoint/2010/main">
+    <mc:Choice Requires="p14">
       <p:transition spd="slow" p14:dur="3400">
         <p14:reveal/>
       </p:transition>
     </mc:Choice>
-    <mc:Fallback>
+    <mc:Fallback xmlns="">
       <p:transition spd="slow">
         <p:fade/>
       </p:transition>
@@ -16705,13 +16705,13 @@
   <p:clrMapOvr>
     <a:masterClrMapping/>
   </p:clrMapOvr>
-  <mc:AlternateContent xmlns:mc="http://schemas.openxmlformats.org/markup-compatibility/2006">
-    <mc:Choice xmlns:p14="http://schemas.microsoft.com/office/powerpoint/2010/main" Requires="p14">
+  <mc:AlternateContent xmlns:mc="http://schemas.openxmlformats.org/markup-compatibility/2006" xmlns:p14="http://schemas.microsoft.com/office/powerpoint/2010/main">
+    <mc:Choice Requires="p14">
       <p:transition spd="slow" p14:dur="3400">
         <p14:reveal/>
       </p:transition>
     </mc:Choice>
-    <mc:Fallback>
+    <mc:Fallback xmlns="">
       <p:transition spd="slow">
         <p:fade/>
       </p:transition>
@@ -17012,13 +17012,13 @@
   <p:clrMapOvr>
     <a:masterClrMapping/>
   </p:clrMapOvr>
-  <mc:AlternateContent xmlns:mc="http://schemas.openxmlformats.org/markup-compatibility/2006">
-    <mc:Choice xmlns:p159="http://schemas.microsoft.com/office/powerpoint/2015/09/main" Requires="p159">
+  <mc:AlternateContent xmlns:mc="http://schemas.openxmlformats.org/markup-compatibility/2006" xmlns:p159="http://schemas.microsoft.com/office/powerpoint/2015/09/main">
+    <mc:Choice Requires="p159">
       <p:transition xmlns:p14="http://schemas.microsoft.com/office/powerpoint/2010/main" spd="slow" p14:dur="2000">
         <p159:morph option="byObject"/>
       </p:transition>
     </mc:Choice>
-    <mc:Fallback>
+    <mc:Fallback xmlns="">
       <p:transition spd="slow">
         <p:fade/>
       </p:transition>
@@ -17788,13 +17788,13 @@
   <p:clrMapOvr>
     <a:masterClrMapping/>
   </p:clrMapOvr>
-  <mc:AlternateContent xmlns:mc="http://schemas.openxmlformats.org/markup-compatibility/2006">
-    <mc:Choice xmlns:p159="http://schemas.microsoft.com/office/powerpoint/2015/09/main" Requires="p159">
+  <mc:AlternateContent xmlns:mc="http://schemas.openxmlformats.org/markup-compatibility/2006" xmlns:p159="http://schemas.microsoft.com/office/powerpoint/2015/09/main">
+    <mc:Choice Requires="p159">
       <p:transition xmlns:p14="http://schemas.microsoft.com/office/powerpoint/2010/main" spd="slow" p14:dur="2000">
         <p159:morph option="byObject"/>
       </p:transition>
     </mc:Choice>
-    <mc:Fallback>
+    <mc:Fallback xmlns="">
       <p:transition spd="slow">
         <p:fade/>
       </p:transition>
@@ -18662,13 +18662,13 @@
   <p:clrMapOvr>
     <a:masterClrMapping/>
   </p:clrMapOvr>
-  <mc:AlternateContent xmlns:mc="http://schemas.openxmlformats.org/markup-compatibility/2006">
-    <mc:Choice xmlns:p159="http://schemas.microsoft.com/office/powerpoint/2015/09/main" Requires="p159">
+  <mc:AlternateContent xmlns:mc="http://schemas.openxmlformats.org/markup-compatibility/2006" xmlns:p159="http://schemas.microsoft.com/office/powerpoint/2015/09/main">
+    <mc:Choice Requires="p159">
       <p:transition xmlns:p14="http://schemas.microsoft.com/office/powerpoint/2010/main" spd="slow" p14:dur="2000">
         <p159:morph option="byObject"/>
       </p:transition>
     </mc:Choice>
-    <mc:Fallback>
+    <mc:Fallback xmlns="">
       <p:transition spd="slow">
         <p:fade/>
       </p:transition>
@@ -18978,13 +18978,13 @@
   <p:clrMapOvr>
     <a:masterClrMapping/>
   </p:clrMapOvr>
-  <mc:AlternateContent xmlns:mc="http://schemas.openxmlformats.org/markup-compatibility/2006">
-    <mc:Choice xmlns:p159="http://schemas.microsoft.com/office/powerpoint/2015/09/main" Requires="p159">
+  <mc:AlternateContent xmlns:mc="http://schemas.openxmlformats.org/markup-compatibility/2006" xmlns:p159="http://schemas.microsoft.com/office/powerpoint/2015/09/main">
+    <mc:Choice Requires="p159">
       <p:transition xmlns:p14="http://schemas.microsoft.com/office/powerpoint/2010/main" spd="slow" p14:dur="2000">
         <p159:morph option="byObject"/>
       </p:transition>
     </mc:Choice>
-    <mc:Fallback>
+    <mc:Fallback xmlns="">
       <p:transition spd="slow">
         <p:fade/>
       </p:transition>
@@ -19755,13 +19755,13 @@
   <p:clrMapOvr>
     <a:masterClrMapping/>
   </p:clrMapOvr>
-  <mc:AlternateContent xmlns:mc="http://schemas.openxmlformats.org/markup-compatibility/2006">
-    <mc:Choice xmlns:p159="http://schemas.microsoft.com/office/powerpoint/2015/09/main" Requires="p159">
+  <mc:AlternateContent xmlns:mc="http://schemas.openxmlformats.org/markup-compatibility/2006" xmlns:p159="http://schemas.microsoft.com/office/powerpoint/2015/09/main">
+    <mc:Choice Requires="p159">
       <p:transition xmlns:p14="http://schemas.microsoft.com/office/powerpoint/2010/main" spd="slow" p14:dur="2000">
         <p159:morph option="byObject"/>
       </p:transition>
     </mc:Choice>
-    <mc:Fallback>
+    <mc:Fallback xmlns="">
       <p:transition spd="slow">
         <p:fade/>
       </p:transition>
@@ -20628,13 +20628,13 @@
   <p:clrMapOvr>
     <a:masterClrMapping/>
   </p:clrMapOvr>
-  <mc:AlternateContent xmlns:mc="http://schemas.openxmlformats.org/markup-compatibility/2006">
-    <mc:Choice xmlns:p159="http://schemas.microsoft.com/office/powerpoint/2015/09/main" Requires="p159">
+  <mc:AlternateContent xmlns:mc="http://schemas.openxmlformats.org/markup-compatibility/2006" xmlns:p159="http://schemas.microsoft.com/office/powerpoint/2015/09/main">
+    <mc:Choice Requires="p159">
       <p:transition xmlns:p14="http://schemas.microsoft.com/office/powerpoint/2010/main" spd="slow" p14:dur="2000">
         <p159:morph option="byObject"/>
       </p:transition>
     </mc:Choice>
-    <mc:Fallback>
+    <mc:Fallback xmlns="">
       <p:transition spd="slow">
         <p:fade/>
       </p:transition>
@@ -21273,8 +21273,8 @@
               <a:t>154 </a:t>
             </a:r>
             <a:r>
-              <a:rPr lang="en-IN" sz="1000" dirty="0"/>
-              <a:t>GB</a:t>
+              <a:rPr lang="en-IN" sz="1000" dirty="0" err="1"/>
+              <a:t>mB</a:t>
             </a:r>
             <a:endParaRPr lang="en-US" sz="1000" dirty="0"/>
           </a:p>
@@ -21810,13 +21810,13 @@
   <p:clrMapOvr>
     <a:masterClrMapping/>
   </p:clrMapOvr>
-  <mc:AlternateContent xmlns:mc="http://schemas.openxmlformats.org/markup-compatibility/2006">
-    <mc:Choice xmlns:p14="http://schemas.microsoft.com/office/powerpoint/2010/main" Requires="p14">
+  <mc:AlternateContent xmlns:mc="http://schemas.openxmlformats.org/markup-compatibility/2006" xmlns:p14="http://schemas.microsoft.com/office/powerpoint/2010/main">
+    <mc:Choice Requires="p14">
       <p:transition spd="slow" p14:dur="3400">
         <p14:reveal/>
       </p:transition>
     </mc:Choice>
-    <mc:Fallback>
+    <mc:Fallback xmlns="">
       <p:transition spd="slow">
         <p:fade/>
       </p:transition>
@@ -22218,13 +22218,13 @@
   <p:clrMapOvr>
     <a:masterClrMapping/>
   </p:clrMapOvr>
-  <mc:AlternateContent xmlns:mc="http://schemas.openxmlformats.org/markup-compatibility/2006">
-    <mc:Choice xmlns:p14="http://schemas.microsoft.com/office/powerpoint/2010/main" Requires="p14">
+  <mc:AlternateContent xmlns:mc="http://schemas.openxmlformats.org/markup-compatibility/2006" xmlns:p14="http://schemas.microsoft.com/office/powerpoint/2010/main">
+    <mc:Choice Requires="p14">
       <p:transition spd="slow" p14:dur="3400">
         <p14:reveal/>
       </p:transition>
     </mc:Choice>
-    <mc:Fallback>
+    <mc:Fallback xmlns="">
       <p:transition spd="slow">
         <p:fade/>
       </p:transition>
@@ -22325,13 +22325,13 @@
   <p:clrMapOvr>
     <a:masterClrMapping/>
   </p:clrMapOvr>
-  <mc:AlternateContent xmlns:mc="http://schemas.openxmlformats.org/markup-compatibility/2006">
-    <mc:Choice xmlns:p14="http://schemas.microsoft.com/office/powerpoint/2010/main" Requires="p14">
+  <mc:AlternateContent xmlns:mc="http://schemas.openxmlformats.org/markup-compatibility/2006" xmlns:p14="http://schemas.microsoft.com/office/powerpoint/2010/main">
+    <mc:Choice Requires="p14">
       <p:transition spd="med" p14:dur="700">
         <p:fade/>
       </p:transition>
     </mc:Choice>
-    <mc:Fallback>
+    <mc:Fallback xmlns="">
       <p:transition spd="med">
         <p:fade/>
       </p:transition>
@@ -22432,13 +22432,13 @@
   <p:clrMapOvr>
     <a:masterClrMapping/>
   </p:clrMapOvr>
-  <mc:AlternateContent xmlns:mc="http://schemas.openxmlformats.org/markup-compatibility/2006">
-    <mc:Choice xmlns:p14="http://schemas.microsoft.com/office/powerpoint/2010/main" Requires="p14">
+  <mc:AlternateContent xmlns:mc="http://schemas.openxmlformats.org/markup-compatibility/2006" xmlns:p14="http://schemas.microsoft.com/office/powerpoint/2010/main">
+    <mc:Choice Requires="p14">
       <p:transition spd="med" p14:dur="700">
         <p:fade/>
       </p:transition>
     </mc:Choice>
-    <mc:Fallback>
+    <mc:Fallback xmlns="">
       <p:transition spd="med">
         <p:fade/>
       </p:transition>
@@ -22585,13 +22585,13 @@
   <p:clrMapOvr>
     <a:masterClrMapping/>
   </p:clrMapOvr>
-  <mc:AlternateContent xmlns:mc="http://schemas.openxmlformats.org/markup-compatibility/2006">
-    <mc:Choice xmlns:p14="http://schemas.microsoft.com/office/powerpoint/2010/main" Requires="p14">
+  <mc:AlternateContent xmlns:mc="http://schemas.openxmlformats.org/markup-compatibility/2006" xmlns:p14="http://schemas.microsoft.com/office/powerpoint/2010/main">
+    <mc:Choice Requires="p14">
       <p:transition spd="med" p14:dur="700">
         <p:fade/>
       </p:transition>
     </mc:Choice>
-    <mc:Fallback>
+    <mc:Fallback xmlns="">
       <p:transition spd="med">
         <p:fade/>
       </p:transition>
@@ -22789,13 +22789,13 @@
   <p:clrMapOvr>
     <a:masterClrMapping/>
   </p:clrMapOvr>
-  <mc:AlternateContent xmlns:mc="http://schemas.openxmlformats.org/markup-compatibility/2006">
-    <mc:Choice xmlns:p14="http://schemas.microsoft.com/office/powerpoint/2010/main" Requires="p14">
+  <mc:AlternateContent xmlns:mc="http://schemas.openxmlformats.org/markup-compatibility/2006" xmlns:p14="http://schemas.microsoft.com/office/powerpoint/2010/main">
+    <mc:Choice Requires="p14">
       <p:transition spd="slow" p14:dur="3400">
         <p14:reveal/>
       </p:transition>
     </mc:Choice>
-    <mc:Fallback>
+    <mc:Fallback xmlns="">
       <p:transition spd="slow">
         <p:fade/>
       </p:transition>
@@ -22839,7 +22839,7 @@
         </p:nvSpPr>
         <p:spPr>
           <a:xfrm>
-            <a:off x="4267200" y="1615736"/>
+            <a:off x="4234544" y="1615736"/>
             <a:ext cx="4179570" cy="1524735"/>
           </a:xfrm>
         </p:spPr>
@@ -22960,13 +22960,13 @@
   <p:clrMapOvr>
     <a:masterClrMapping/>
   </p:clrMapOvr>
-  <mc:AlternateContent xmlns:mc="http://schemas.openxmlformats.org/markup-compatibility/2006">
-    <mc:Choice xmlns:p14="http://schemas.microsoft.com/office/powerpoint/2010/main" Requires="p14">
+  <mc:AlternateContent xmlns:mc="http://schemas.openxmlformats.org/markup-compatibility/2006" xmlns:p14="http://schemas.microsoft.com/office/powerpoint/2010/main">
+    <mc:Choice Requires="p14">
       <p:transition spd="slow" p14:dur="3400">
         <p14:reveal/>
       </p:transition>
     </mc:Choice>
-    <mc:Fallback>
+    <mc:Fallback xmlns="">
       <p:transition spd="slow">
         <p:fade/>
       </p:transition>
@@ -23568,13 +23568,13 @@
   <p:clrMapOvr>
     <a:masterClrMapping/>
   </p:clrMapOvr>
-  <mc:AlternateContent xmlns:mc="http://schemas.openxmlformats.org/markup-compatibility/2006">
-    <mc:Choice xmlns:p14="http://schemas.microsoft.com/office/powerpoint/2010/main" Requires="p14">
+  <mc:AlternateContent xmlns:mc="http://schemas.openxmlformats.org/markup-compatibility/2006" xmlns:p14="http://schemas.microsoft.com/office/powerpoint/2010/main">
+    <mc:Choice Requires="p14">
       <p:transition spd="slow" p14:dur="3400">
         <p14:reveal/>
       </p:transition>
     </mc:Choice>
-    <mc:Fallback>
+    <mc:Fallback xmlns="">
       <p:transition spd="slow">
         <p:fade/>
       </p:transition>
@@ -23970,13 +23970,13 @@
   <p:clrMapOvr>
     <a:masterClrMapping/>
   </p:clrMapOvr>
-  <mc:AlternateContent xmlns:mc="http://schemas.openxmlformats.org/markup-compatibility/2006">
-    <mc:Choice xmlns:p159="http://schemas.microsoft.com/office/powerpoint/2015/09/main" Requires="p159">
+  <mc:AlternateContent xmlns:mc="http://schemas.openxmlformats.org/markup-compatibility/2006" xmlns:p159="http://schemas.microsoft.com/office/powerpoint/2015/09/main">
+    <mc:Choice Requires="p159">
       <p:transition xmlns:p14="http://schemas.microsoft.com/office/powerpoint/2010/main" spd="slow" p14:dur="2000">
         <p159:morph option="byObject"/>
       </p:transition>
     </mc:Choice>
-    <mc:Fallback>
+    <mc:Fallback xmlns="">
       <p:transition spd="slow">
         <p:fade/>
       </p:transition>
@@ -24367,13 +24367,13 @@
   <p:clrMapOvr>
     <a:masterClrMapping/>
   </p:clrMapOvr>
-  <mc:AlternateContent xmlns:mc="http://schemas.openxmlformats.org/markup-compatibility/2006">
-    <mc:Choice xmlns:p159="http://schemas.microsoft.com/office/powerpoint/2015/09/main" Requires="p159">
+  <mc:AlternateContent xmlns:mc="http://schemas.openxmlformats.org/markup-compatibility/2006" xmlns:p159="http://schemas.microsoft.com/office/powerpoint/2015/09/main">
+    <mc:Choice Requires="p159">
       <p:transition xmlns:p14="http://schemas.microsoft.com/office/powerpoint/2010/main" spd="slow" p14:dur="2000">
         <p159:morph option="byObject"/>
       </p:transition>
     </mc:Choice>
-    <mc:Fallback>
+    <mc:Fallback xmlns="">
       <p:transition spd="slow">
         <p:fade/>
       </p:transition>
@@ -24762,13 +24762,13 @@
   <p:clrMapOvr>
     <a:masterClrMapping/>
   </p:clrMapOvr>
-  <mc:AlternateContent xmlns:mc="http://schemas.openxmlformats.org/markup-compatibility/2006">
-    <mc:Choice xmlns:p159="http://schemas.microsoft.com/office/powerpoint/2015/09/main" Requires="p159">
+  <mc:AlternateContent xmlns:mc="http://schemas.openxmlformats.org/markup-compatibility/2006" xmlns:p159="http://schemas.microsoft.com/office/powerpoint/2015/09/main">
+    <mc:Choice Requires="p159">
       <p:transition xmlns:p14="http://schemas.microsoft.com/office/powerpoint/2010/main" spd="slow" p14:dur="2000">
         <p159:morph option="byObject"/>
       </p:transition>
     </mc:Choice>
-    <mc:Fallback>
+    <mc:Fallback xmlns="">
       <p:transition spd="slow">
         <p:fade/>
       </p:transition>
@@ -25158,13 +25158,13 @@
   <p:clrMapOvr>
     <a:masterClrMapping/>
   </p:clrMapOvr>
-  <mc:AlternateContent xmlns:mc="http://schemas.openxmlformats.org/markup-compatibility/2006">
-    <mc:Choice xmlns:p159="http://schemas.microsoft.com/office/powerpoint/2015/09/main" Requires="p159">
+  <mc:AlternateContent xmlns:mc="http://schemas.openxmlformats.org/markup-compatibility/2006" xmlns:p159="http://schemas.microsoft.com/office/powerpoint/2015/09/main">
+    <mc:Choice Requires="p159">
       <p:transition xmlns:p14="http://schemas.microsoft.com/office/powerpoint/2010/main" spd="slow" p14:dur="2000">
         <p159:morph option="byObject"/>
       </p:transition>
     </mc:Choice>
-    <mc:Fallback>
+    <mc:Fallback xmlns="">
       <p:transition spd="slow">
         <p:fade/>
       </p:transition>
@@ -27636,49 +27636,32 @@
       </p:sp>
       <p:pic>
         <p:nvPicPr>
-          <p:cNvPr id="3" name="Picture 2">
-            <a:extLst>
-              <a:ext uri="{FF2B5EF4-FFF2-40B4-BE49-F238E27FC236}">
-                <a16:creationId xmlns:a16="http://schemas.microsoft.com/office/drawing/2014/main" id="{E8A2EA87-55EF-4CC4-B987-66754C10928C}"/>
+          <p:cNvPr id="8" name="Picture 7">
+            <a:extLst>
+              <a:ext uri="{FF2B5EF4-FFF2-40B4-BE49-F238E27FC236}">
+                <a16:creationId xmlns:a16="http://schemas.microsoft.com/office/drawing/2014/main" id="{3B12C87A-8036-4ED8-8E7E-0E1988441778}"/>
               </a:ext>
             </a:extLst>
           </p:cNvPr>
           <p:cNvPicPr>
-            <a:picLocks noChangeAspect="1" noChangeArrowheads="1"/>
+            <a:picLocks noChangeAspect="1"/>
           </p:cNvPicPr>
           <p:nvPr/>
         </p:nvPicPr>
         <p:blipFill>
-          <a:blip r:embed="rId2">
-            <a:extLst>
-              <a:ext uri="{28A0092B-C50C-407E-A947-70E740481C1C}">
-                <a14:useLocalDpi xmlns:a14="http://schemas.microsoft.com/office/drawing/2010/main" val="0"/>
-              </a:ext>
-            </a:extLst>
-          </a:blip>
-          <a:srcRect/>
+          <a:blip r:embed="rId2"/>
           <a:stretch>
             <a:fillRect/>
           </a:stretch>
         </p:blipFill>
-        <p:spPr bwMode="auto">
-          <a:xfrm>
-            <a:off x="2049235" y="960664"/>
-            <a:ext cx="8093529" cy="5395686"/>
+        <p:spPr>
+          <a:xfrm>
+            <a:off x="2047875" y="904875"/>
+            <a:ext cx="8096250" cy="5391150"/>
           </a:xfrm>
           <a:prstGeom prst="rect">
             <a:avLst/>
           </a:prstGeom>
-          <a:noFill/>
-          <a:extLst>
-            <a:ext uri="{909E8E84-426E-40DD-AFC4-6F175D3DCCD1}">
-              <a14:hiddenFill xmlns:a14="http://schemas.microsoft.com/office/drawing/2010/main">
-                <a:solidFill>
-                  <a:srgbClr val="FFFFFF"/>
-                </a:solidFill>
-              </a14:hiddenFill>
-            </a:ext>
-          </a:extLst>
         </p:spPr>
       </p:pic>
     </p:spTree>

--- a/docs/Medusa Backend  Deployment.pptx
+++ b/docs/Medusa Backend  Deployment.pptx
@@ -27525,7 +27525,7 @@
             </a:r>
             <a:r>
               <a:rPr lang="en-IN" sz="800" dirty="0"/>
-              <a:t>[your wish]</a:t>
+              <a:t>[optional]</a:t>
             </a:r>
           </a:p>
         </p:txBody>
@@ -28472,6 +28472,35 @@
 </file>
 
 <file path=customXml/item1.xml><?xml version="1.0" encoding="utf-8"?>
+<p:properties xmlns:p="http://schemas.microsoft.com/office/2006/metadata/properties" xmlns:xsi="http://www.w3.org/2001/XMLSchema-instance" xmlns:pc="http://schemas.microsoft.com/office/infopath/2007/PartnerControls">
+  <documentManagement>
+    <_ip_UnifiedCompliancePolicyUIAction xmlns="http://schemas.microsoft.com/sharepoint/v3" xsi:nil="true"/>
+    <Image xmlns="71af3243-3dd4-4a8d-8c0d-dd76da1f02a5">
+      <Url xsi:nil="true"/>
+      <Description xsi:nil="true"/>
+    </Image>
+    <Status xmlns="71af3243-3dd4-4a8d-8c0d-dd76da1f02a5">Not started</Status>
+    <Background xmlns="71af3243-3dd4-4a8d-8c0d-dd76da1f02a5">false</Background>
+    <_ip_UnifiedCompliancePolicyProperties xmlns="http://schemas.microsoft.com/sharepoint/v3" xsi:nil="true"/>
+    <ImageTagsTaxHTField xmlns="71af3243-3dd4-4a8d-8c0d-dd76da1f02a5">
+      <Terms xmlns="http://schemas.microsoft.com/office/infopath/2007/PartnerControls"/>
+    </ImageTagsTaxHTField>
+    <TaxCatchAll xmlns="230e9df3-be65-4c73-a93b-d1236ebd677e" xsi:nil="true"/>
+    <MediaServiceKeyPoints xmlns="71af3243-3dd4-4a8d-8c0d-dd76da1f02a5" xsi:nil="true"/>
+  </documentManagement>
+</p:properties>
+</file>
+
+<file path=customXml/item2.xml><?xml version="1.0" encoding="utf-8"?>
+<?mso-contentType ?>
+<FormTemplates xmlns="http://schemas.microsoft.com/sharepoint/v3/contenttype/forms">
+  <Display>DocumentLibraryForm</Display>
+  <Edit>DocumentLibraryForm</Edit>
+  <New>DocumentLibraryForm</New>
+</FormTemplates>
+</file>
+
+<file path=customXml/item3.xml><?xml version="1.0" encoding="utf-8"?>
 <ct:contentTypeSchema xmlns:ct="http://schemas.microsoft.com/office/2006/metadata/contentType" xmlns:ma="http://schemas.microsoft.com/office/2006/metadata/properties/metaAttributes" ct:_="" ma:_="" ma:contentTypeName="Document" ma:contentTypeID="0x01010079F111ED35F8CC479449609E8A0923A6" ma:contentTypeVersion="27" ma:contentTypeDescription="Create a new document." ma:contentTypeScope="" ma:versionID="c6f9a84f66a9c8b9a21755b9ffafb945">
   <xsd:schema xmlns:xsd="http://www.w3.org/2001/XMLSchema" xmlns:xs="http://www.w3.org/2001/XMLSchema" xmlns:p="http://schemas.microsoft.com/office/2006/metadata/properties" xmlns:ns1="http://schemas.microsoft.com/sharepoint/v3" xmlns:ns2="71af3243-3dd4-4a8d-8c0d-dd76da1f02a5" xmlns:ns3="16c05727-aa75-4e4a-9b5f-8a80a1165891" xmlns:ns4="230e9df3-be65-4c73-a93b-d1236ebd677e" targetNamespace="http://schemas.microsoft.com/office/2006/metadata/properties" ma:root="true" ma:fieldsID="27df39e3e7036dff54f89ddd5805ce72" ns1:_="" ns2:_="" ns3:_="" ns4:_="">
     <xsd:import namespace="http://schemas.microsoft.com/sharepoint/v3"/>
@@ -28777,36 +28806,27 @@
 </ct:contentTypeSchema>
 </file>
 
-<file path=customXml/item2.xml><?xml version="1.0" encoding="utf-8"?>
-<?mso-contentType ?>
-<FormTemplates xmlns="http://schemas.microsoft.com/sharepoint/v3/contenttype/forms">
-  <Display>DocumentLibraryForm</Display>
-  <Edit>DocumentLibraryForm</Edit>
-  <New>DocumentLibraryForm</New>
-</FormTemplates>
+<file path=customXml/itemProps1.xml><?xml version="1.0" encoding="utf-8"?>
+<ds:datastoreItem xmlns:ds="http://schemas.openxmlformats.org/officeDocument/2006/customXml" ds:itemID="{211845F9-C5F4-4AA5-BA9E-EC2182E91488}">
+  <ds:schemaRefs>
+    <ds:schemaRef ds:uri="http://schemas.microsoft.com/office/2006/metadata/properties"/>
+    <ds:schemaRef ds:uri="http://schemas.microsoft.com/office/infopath/2007/PartnerControls"/>
+    <ds:schemaRef ds:uri="http://schemas.microsoft.com/sharepoint/v3"/>
+    <ds:schemaRef ds:uri="71af3243-3dd4-4a8d-8c0d-dd76da1f02a5"/>
+    <ds:schemaRef ds:uri="230e9df3-be65-4c73-a93b-d1236ebd677e"/>
+  </ds:schemaRefs>
+</ds:datastoreItem>
 </file>
 
-<file path=customXml/item3.xml><?xml version="1.0" encoding="utf-8"?>
-<p:properties xmlns:p="http://schemas.microsoft.com/office/2006/metadata/properties" xmlns:xsi="http://www.w3.org/2001/XMLSchema-instance" xmlns:pc="http://schemas.microsoft.com/office/infopath/2007/PartnerControls">
-  <documentManagement>
-    <_ip_UnifiedCompliancePolicyUIAction xmlns="http://schemas.microsoft.com/sharepoint/v3" xsi:nil="true"/>
-    <Image xmlns="71af3243-3dd4-4a8d-8c0d-dd76da1f02a5">
-      <Url xsi:nil="true"/>
-      <Description xsi:nil="true"/>
-    </Image>
-    <Status xmlns="71af3243-3dd4-4a8d-8c0d-dd76da1f02a5">Not started</Status>
-    <Background xmlns="71af3243-3dd4-4a8d-8c0d-dd76da1f02a5">false</Background>
-    <_ip_UnifiedCompliancePolicyProperties xmlns="http://schemas.microsoft.com/sharepoint/v3" xsi:nil="true"/>
-    <ImageTagsTaxHTField xmlns="71af3243-3dd4-4a8d-8c0d-dd76da1f02a5">
-      <Terms xmlns="http://schemas.microsoft.com/office/infopath/2007/PartnerControls"/>
-    </ImageTagsTaxHTField>
-    <TaxCatchAll xmlns="230e9df3-be65-4c73-a93b-d1236ebd677e" xsi:nil="true"/>
-    <MediaServiceKeyPoints xmlns="71af3243-3dd4-4a8d-8c0d-dd76da1f02a5" xsi:nil="true"/>
-  </documentManagement>
-</p:properties>
+<file path=customXml/itemProps2.xml><?xml version="1.0" encoding="utf-8"?>
+<ds:datastoreItem xmlns:ds="http://schemas.openxmlformats.org/officeDocument/2006/customXml" ds:itemID="{6C8B084D-D430-4822-B3CB-DEADB2E7A5FC}">
+  <ds:schemaRefs>
+    <ds:schemaRef ds:uri="http://schemas.microsoft.com/sharepoint/v3/contenttype/forms"/>
+  </ds:schemaRefs>
+</ds:datastoreItem>
 </file>
 
-<file path=customXml/itemProps1.xml><?xml version="1.0" encoding="utf-8"?>
+<file path=customXml/itemProps3.xml><?xml version="1.0" encoding="utf-8"?>
 <ds:datastoreItem xmlns:ds="http://schemas.openxmlformats.org/officeDocument/2006/customXml" ds:itemID="{15BFCE94-6EC9-4D8E-89B6-C22DE7AD70CB}">
   <ds:schemaRefs>
     <ds:schemaRef ds:uri="http://schemas.microsoft.com/office/2006/metadata/contentType"/>
@@ -28827,26 +28847,6 @@
 </ds:datastoreItem>
 </file>
 
-<file path=customXml/itemProps2.xml><?xml version="1.0" encoding="utf-8"?>
-<ds:datastoreItem xmlns:ds="http://schemas.openxmlformats.org/officeDocument/2006/customXml" ds:itemID="{6C8B084D-D430-4822-B3CB-DEADB2E7A5FC}">
-  <ds:schemaRefs>
-    <ds:schemaRef ds:uri="http://schemas.microsoft.com/sharepoint/v3/contenttype/forms"/>
-  </ds:schemaRefs>
-</ds:datastoreItem>
-</file>
-
-<file path=customXml/itemProps3.xml><?xml version="1.0" encoding="utf-8"?>
-<ds:datastoreItem xmlns:ds="http://schemas.openxmlformats.org/officeDocument/2006/customXml" ds:itemID="{211845F9-C5F4-4AA5-BA9E-EC2182E91488}">
-  <ds:schemaRefs>
-    <ds:schemaRef ds:uri="http://schemas.microsoft.com/office/2006/metadata/properties"/>
-    <ds:schemaRef ds:uri="http://schemas.microsoft.com/office/infopath/2007/PartnerControls"/>
-    <ds:schemaRef ds:uri="http://schemas.microsoft.com/sharepoint/v3"/>
-    <ds:schemaRef ds:uri="71af3243-3dd4-4a8d-8c0d-dd76da1f02a5"/>
-    <ds:schemaRef ds:uri="230e9df3-be65-4c73-a93b-d1236ebd677e"/>
-  </ds:schemaRefs>
-</ds:datastoreItem>
-</file>
-
 <file path=docMetadata/LabelInfo.xml><?xml version="1.0" encoding="utf-8"?>
 <clbl:labelList xmlns:clbl="http://schemas.microsoft.com/office/2020/mipLabelMetadata"/>
 </file>